--- a/ppt 16-9/0196.谁慰主心.pptx
+++ b/ppt 16-9/0196.谁慰主心.pptx
@@ -5,7 +5,7 @@
     <p:sldMasterId id="2147483648" r:id="rId1"/>
   </p:sldMasterIdLst>
   <p:sldIdLst>
-    <p:sldId id="2830" r:id="rId2"/>
+    <p:sldId id="2833" r:id="rId2"/>
   </p:sldIdLst>
   <p:sldSz cx="12192000" cy="6858000"/>
   <p:notesSz cx="6858000" cy="9144000"/>
@@ -129,7 +129,7 @@
           <p:cNvPr id="2" name="标题 1">
             <a:extLst>
               <a:ext uri="{FF2B5EF4-FFF2-40B4-BE49-F238E27FC236}">
-                <a16:creationId xmlns:a16="http://schemas.microsoft.com/office/drawing/2014/main" id="{086A5DC5-67CB-DEA2-62A9-4DC3E9D13A74}"/>
+                <a16:creationId xmlns:a16="http://schemas.microsoft.com/office/drawing/2014/main" id="{E64DFEF8-5CBE-9C62-BC16-23510EBDE3AD}"/>
               </a:ext>
             </a:extLst>
           </p:cNvPr>
@@ -166,7 +166,7 @@
           <p:cNvPr id="3" name="副标题 2">
             <a:extLst>
               <a:ext uri="{FF2B5EF4-FFF2-40B4-BE49-F238E27FC236}">
-                <a16:creationId xmlns:a16="http://schemas.microsoft.com/office/drawing/2014/main" id="{3C9D3F54-CDAA-0681-6899-D41A0A8DBDBC}"/>
+                <a16:creationId xmlns:a16="http://schemas.microsoft.com/office/drawing/2014/main" id="{0C56C4BF-8121-EBA1-A60E-2104284C911A}"/>
               </a:ext>
             </a:extLst>
           </p:cNvPr>
@@ -236,7 +236,7 @@
           <p:cNvPr id="4" name="日期占位符 3">
             <a:extLst>
               <a:ext uri="{FF2B5EF4-FFF2-40B4-BE49-F238E27FC236}">
-                <a16:creationId xmlns:a16="http://schemas.microsoft.com/office/drawing/2014/main" id="{FA7343D9-F4F0-01BF-5EE8-5EFF5623D292}"/>
+                <a16:creationId xmlns:a16="http://schemas.microsoft.com/office/drawing/2014/main" id="{AC37EE63-89F2-7231-534E-13D68E087B60}"/>
               </a:ext>
             </a:extLst>
           </p:cNvPr>
@@ -252,7 +252,7 @@
           <a:bodyPr/>
           <a:lstStyle/>
           <a:p>
-            <a:fld id="{0B3B3B53-C6F6-415C-8A89-A7054E6B0744}" type="datetimeFigureOut">
+            <a:fld id="{E231541A-56A7-4ED4-A945-E89E3930210B}" type="datetimeFigureOut">
               <a:rPr lang="zh-CN" altLang="en-US" smtClean="0"/>
               <a:t>2024/3/10</a:t>
             </a:fld>
@@ -265,7 +265,7 @@
           <p:cNvPr id="5" name="页脚占位符 4">
             <a:extLst>
               <a:ext uri="{FF2B5EF4-FFF2-40B4-BE49-F238E27FC236}">
-                <a16:creationId xmlns:a16="http://schemas.microsoft.com/office/drawing/2014/main" id="{6183E21B-DD90-DC74-9604-FE8791DC96BC}"/>
+                <a16:creationId xmlns:a16="http://schemas.microsoft.com/office/drawing/2014/main" id="{76F34DD8-3EB4-A1ED-9F54-5A9BD1348D85}"/>
               </a:ext>
             </a:extLst>
           </p:cNvPr>
@@ -290,7 +290,7 @@
           <p:cNvPr id="6" name="灯片编号占位符 5">
             <a:extLst>
               <a:ext uri="{FF2B5EF4-FFF2-40B4-BE49-F238E27FC236}">
-                <a16:creationId xmlns:a16="http://schemas.microsoft.com/office/drawing/2014/main" id="{F5A4FF11-A04A-C4A8-FF08-48FAD5FFE09D}"/>
+                <a16:creationId xmlns:a16="http://schemas.microsoft.com/office/drawing/2014/main" id="{E89E1CE8-62C3-58FA-4E13-ADBD0BFD0C8F}"/>
               </a:ext>
             </a:extLst>
           </p:cNvPr>
@@ -306,7 +306,7 @@
           <a:bodyPr/>
           <a:lstStyle/>
           <a:p>
-            <a:fld id="{85E56A64-9FB0-481C-B150-87B91F1F7AEC}" type="slidenum">
+            <a:fld id="{4567A583-0943-4449-92E7-5C701EE89866}" type="slidenum">
               <a:rPr lang="zh-CN" altLang="en-US" smtClean="0"/>
               <a:t>‹#›</a:t>
             </a:fld>
@@ -317,7 +317,7 @@
     </p:spTree>
     <p:extLst>
       <p:ext uri="{BB962C8B-B14F-4D97-AF65-F5344CB8AC3E}">
-        <p14:creationId xmlns:p14="http://schemas.microsoft.com/office/powerpoint/2010/main" val="3250833706"/>
+        <p14:creationId xmlns:p14="http://schemas.microsoft.com/office/powerpoint/2010/main" val="2976489966"/>
       </p:ext>
     </p:extLst>
   </p:cSld>
@@ -349,7 +349,7 @@
           <p:cNvPr id="2" name="标题 1">
             <a:extLst>
               <a:ext uri="{FF2B5EF4-FFF2-40B4-BE49-F238E27FC236}">
-                <a16:creationId xmlns:a16="http://schemas.microsoft.com/office/drawing/2014/main" id="{571F8AB9-DE61-B06D-5C01-A7035337374F}"/>
+                <a16:creationId xmlns:a16="http://schemas.microsoft.com/office/drawing/2014/main" id="{FE0A6049-FAEC-5EA3-A8C3-88AE6ED6BDA2}"/>
               </a:ext>
             </a:extLst>
           </p:cNvPr>
@@ -377,7 +377,7 @@
           <p:cNvPr id="3" name="竖排文字占位符 2">
             <a:extLst>
               <a:ext uri="{FF2B5EF4-FFF2-40B4-BE49-F238E27FC236}">
-                <a16:creationId xmlns:a16="http://schemas.microsoft.com/office/drawing/2014/main" id="{D4122364-E616-7649-63EA-A75D930FB673}"/>
+                <a16:creationId xmlns:a16="http://schemas.microsoft.com/office/drawing/2014/main" id="{25DBF159-B7BF-6E33-7C2C-35A09BEFDCED}"/>
               </a:ext>
             </a:extLst>
           </p:cNvPr>
@@ -434,7 +434,7 @@
           <p:cNvPr id="4" name="日期占位符 3">
             <a:extLst>
               <a:ext uri="{FF2B5EF4-FFF2-40B4-BE49-F238E27FC236}">
-                <a16:creationId xmlns:a16="http://schemas.microsoft.com/office/drawing/2014/main" id="{17B6BA64-7FD4-926C-FDEC-BB10482AA6E1}"/>
+                <a16:creationId xmlns:a16="http://schemas.microsoft.com/office/drawing/2014/main" id="{03B829B7-A5C4-D798-4D2E-18A3EBDD0141}"/>
               </a:ext>
             </a:extLst>
           </p:cNvPr>
@@ -450,7 +450,7 @@
           <a:bodyPr/>
           <a:lstStyle/>
           <a:p>
-            <a:fld id="{0B3B3B53-C6F6-415C-8A89-A7054E6B0744}" type="datetimeFigureOut">
+            <a:fld id="{E231541A-56A7-4ED4-A945-E89E3930210B}" type="datetimeFigureOut">
               <a:rPr lang="zh-CN" altLang="en-US" smtClean="0"/>
               <a:t>2024/3/10</a:t>
             </a:fld>
@@ -463,7 +463,7 @@
           <p:cNvPr id="5" name="页脚占位符 4">
             <a:extLst>
               <a:ext uri="{FF2B5EF4-FFF2-40B4-BE49-F238E27FC236}">
-                <a16:creationId xmlns:a16="http://schemas.microsoft.com/office/drawing/2014/main" id="{B2CB3C8A-4EF0-4E01-17D3-E7BB5F0A45DA}"/>
+                <a16:creationId xmlns:a16="http://schemas.microsoft.com/office/drawing/2014/main" id="{42612725-9817-A7A4-06E5-ACB76700068C}"/>
               </a:ext>
             </a:extLst>
           </p:cNvPr>
@@ -488,7 +488,7 @@
           <p:cNvPr id="6" name="灯片编号占位符 5">
             <a:extLst>
               <a:ext uri="{FF2B5EF4-FFF2-40B4-BE49-F238E27FC236}">
-                <a16:creationId xmlns:a16="http://schemas.microsoft.com/office/drawing/2014/main" id="{79AFB3A2-1E2A-D822-B364-0A20307026B7}"/>
+                <a16:creationId xmlns:a16="http://schemas.microsoft.com/office/drawing/2014/main" id="{506DA246-32B4-241C-6AEE-120F00C04ACD}"/>
               </a:ext>
             </a:extLst>
           </p:cNvPr>
@@ -504,7 +504,7 @@
           <a:bodyPr/>
           <a:lstStyle/>
           <a:p>
-            <a:fld id="{85E56A64-9FB0-481C-B150-87B91F1F7AEC}" type="slidenum">
+            <a:fld id="{4567A583-0943-4449-92E7-5C701EE89866}" type="slidenum">
               <a:rPr lang="zh-CN" altLang="en-US" smtClean="0"/>
               <a:t>‹#›</a:t>
             </a:fld>
@@ -515,7 +515,7 @@
     </p:spTree>
     <p:extLst>
       <p:ext uri="{BB962C8B-B14F-4D97-AF65-F5344CB8AC3E}">
-        <p14:creationId xmlns:p14="http://schemas.microsoft.com/office/powerpoint/2010/main" val="3721743623"/>
+        <p14:creationId xmlns:p14="http://schemas.microsoft.com/office/powerpoint/2010/main" val="861747423"/>
       </p:ext>
     </p:extLst>
   </p:cSld>
@@ -547,7 +547,7 @@
           <p:cNvPr id="2" name="竖排标题 1">
             <a:extLst>
               <a:ext uri="{FF2B5EF4-FFF2-40B4-BE49-F238E27FC236}">
-                <a16:creationId xmlns:a16="http://schemas.microsoft.com/office/drawing/2014/main" id="{9A5E0005-BB12-6EBD-1F60-5408F2FDB20C}"/>
+                <a16:creationId xmlns:a16="http://schemas.microsoft.com/office/drawing/2014/main" id="{3BE47807-56A3-5781-F433-FB6DE61A55C4}"/>
               </a:ext>
             </a:extLst>
           </p:cNvPr>
@@ -580,7 +580,7 @@
           <p:cNvPr id="3" name="竖排文字占位符 2">
             <a:extLst>
               <a:ext uri="{FF2B5EF4-FFF2-40B4-BE49-F238E27FC236}">
-                <a16:creationId xmlns:a16="http://schemas.microsoft.com/office/drawing/2014/main" id="{B1D5D495-07BB-3F1A-C06A-469AD8FDDD8A}"/>
+                <a16:creationId xmlns:a16="http://schemas.microsoft.com/office/drawing/2014/main" id="{6AC6034B-D15F-D32C-7003-06B6176B13DB}"/>
               </a:ext>
             </a:extLst>
           </p:cNvPr>
@@ -642,7 +642,7 @@
           <p:cNvPr id="4" name="日期占位符 3">
             <a:extLst>
               <a:ext uri="{FF2B5EF4-FFF2-40B4-BE49-F238E27FC236}">
-                <a16:creationId xmlns:a16="http://schemas.microsoft.com/office/drawing/2014/main" id="{B700FF2C-1ED9-7333-552E-201D08B61211}"/>
+                <a16:creationId xmlns:a16="http://schemas.microsoft.com/office/drawing/2014/main" id="{7FE5780A-F4F8-51A0-2C91-3528DBEF42A7}"/>
               </a:ext>
             </a:extLst>
           </p:cNvPr>
@@ -658,7 +658,7 @@
           <a:bodyPr/>
           <a:lstStyle/>
           <a:p>
-            <a:fld id="{0B3B3B53-C6F6-415C-8A89-A7054E6B0744}" type="datetimeFigureOut">
+            <a:fld id="{E231541A-56A7-4ED4-A945-E89E3930210B}" type="datetimeFigureOut">
               <a:rPr lang="zh-CN" altLang="en-US" smtClean="0"/>
               <a:t>2024/3/10</a:t>
             </a:fld>
@@ -671,7 +671,7 @@
           <p:cNvPr id="5" name="页脚占位符 4">
             <a:extLst>
               <a:ext uri="{FF2B5EF4-FFF2-40B4-BE49-F238E27FC236}">
-                <a16:creationId xmlns:a16="http://schemas.microsoft.com/office/drawing/2014/main" id="{3A1CB0FA-CA4D-9ECA-3000-77B7BB753715}"/>
+                <a16:creationId xmlns:a16="http://schemas.microsoft.com/office/drawing/2014/main" id="{962919FD-9275-6078-7102-2169B4120B2E}"/>
               </a:ext>
             </a:extLst>
           </p:cNvPr>
@@ -696,7 +696,7 @@
           <p:cNvPr id="6" name="灯片编号占位符 5">
             <a:extLst>
               <a:ext uri="{FF2B5EF4-FFF2-40B4-BE49-F238E27FC236}">
-                <a16:creationId xmlns:a16="http://schemas.microsoft.com/office/drawing/2014/main" id="{359BF52F-F2A9-26A9-E892-9E6740DBB7D7}"/>
+                <a16:creationId xmlns:a16="http://schemas.microsoft.com/office/drawing/2014/main" id="{268D2D40-3B94-F549-2666-2F00E3C5712B}"/>
               </a:ext>
             </a:extLst>
           </p:cNvPr>
@@ -712,7 +712,7 @@
           <a:bodyPr/>
           <a:lstStyle/>
           <a:p>
-            <a:fld id="{85E56A64-9FB0-481C-B150-87B91F1F7AEC}" type="slidenum">
+            <a:fld id="{4567A583-0943-4449-92E7-5C701EE89866}" type="slidenum">
               <a:rPr lang="zh-CN" altLang="en-US" smtClean="0"/>
               <a:t>‹#›</a:t>
             </a:fld>
@@ -723,7 +723,7 @@
     </p:spTree>
     <p:extLst>
       <p:ext uri="{BB962C8B-B14F-4D97-AF65-F5344CB8AC3E}">
-        <p14:creationId xmlns:p14="http://schemas.microsoft.com/office/powerpoint/2010/main" val="1455522071"/>
+        <p14:creationId xmlns:p14="http://schemas.microsoft.com/office/powerpoint/2010/main" val="4077059909"/>
       </p:ext>
     </p:extLst>
   </p:cSld>
@@ -755,7 +755,7 @@
           <p:cNvPr id="2" name="标题 1">
             <a:extLst>
               <a:ext uri="{FF2B5EF4-FFF2-40B4-BE49-F238E27FC236}">
-                <a16:creationId xmlns:a16="http://schemas.microsoft.com/office/drawing/2014/main" id="{6F36EFBF-3602-E8B9-06B2-B29B61010F79}"/>
+                <a16:creationId xmlns:a16="http://schemas.microsoft.com/office/drawing/2014/main" id="{15F9149A-874F-280F-BB50-0E73464CFFBC}"/>
               </a:ext>
             </a:extLst>
           </p:cNvPr>
@@ -783,7 +783,7 @@
           <p:cNvPr id="3" name="内容占位符 2">
             <a:extLst>
               <a:ext uri="{FF2B5EF4-FFF2-40B4-BE49-F238E27FC236}">
-                <a16:creationId xmlns:a16="http://schemas.microsoft.com/office/drawing/2014/main" id="{BA3DA22B-4D60-9F08-C8DA-F716D2955C58}"/>
+                <a16:creationId xmlns:a16="http://schemas.microsoft.com/office/drawing/2014/main" id="{B53BC0BF-80E8-ABA3-367A-E96F5E2107FB}"/>
               </a:ext>
             </a:extLst>
           </p:cNvPr>
@@ -840,7 +840,7 @@
           <p:cNvPr id="4" name="日期占位符 3">
             <a:extLst>
               <a:ext uri="{FF2B5EF4-FFF2-40B4-BE49-F238E27FC236}">
-                <a16:creationId xmlns:a16="http://schemas.microsoft.com/office/drawing/2014/main" id="{EF0CC66D-02D8-1690-3ADB-06BC1999E0EC}"/>
+                <a16:creationId xmlns:a16="http://schemas.microsoft.com/office/drawing/2014/main" id="{1044D61B-8351-E45A-CB79-A7D05180410A}"/>
               </a:ext>
             </a:extLst>
           </p:cNvPr>
@@ -856,7 +856,7 @@
           <a:bodyPr/>
           <a:lstStyle/>
           <a:p>
-            <a:fld id="{0B3B3B53-C6F6-415C-8A89-A7054E6B0744}" type="datetimeFigureOut">
+            <a:fld id="{E231541A-56A7-4ED4-A945-E89E3930210B}" type="datetimeFigureOut">
               <a:rPr lang="zh-CN" altLang="en-US" smtClean="0"/>
               <a:t>2024/3/10</a:t>
             </a:fld>
@@ -869,7 +869,7 @@
           <p:cNvPr id="5" name="页脚占位符 4">
             <a:extLst>
               <a:ext uri="{FF2B5EF4-FFF2-40B4-BE49-F238E27FC236}">
-                <a16:creationId xmlns:a16="http://schemas.microsoft.com/office/drawing/2014/main" id="{73411CCD-6A49-5E98-48DE-5B641C9E54D2}"/>
+                <a16:creationId xmlns:a16="http://schemas.microsoft.com/office/drawing/2014/main" id="{DEEA39E5-3F68-6D1B-608C-E438C8524B0B}"/>
               </a:ext>
             </a:extLst>
           </p:cNvPr>
@@ -894,7 +894,7 @@
           <p:cNvPr id="6" name="灯片编号占位符 5">
             <a:extLst>
               <a:ext uri="{FF2B5EF4-FFF2-40B4-BE49-F238E27FC236}">
-                <a16:creationId xmlns:a16="http://schemas.microsoft.com/office/drawing/2014/main" id="{3757356D-2188-695B-9FA4-F525AEF4601E}"/>
+                <a16:creationId xmlns:a16="http://schemas.microsoft.com/office/drawing/2014/main" id="{CDCBB384-5EFF-CC3E-C13B-BB0EA8854D2B}"/>
               </a:ext>
             </a:extLst>
           </p:cNvPr>
@@ -910,7 +910,7 @@
           <a:bodyPr/>
           <a:lstStyle/>
           <a:p>
-            <a:fld id="{85E56A64-9FB0-481C-B150-87B91F1F7AEC}" type="slidenum">
+            <a:fld id="{4567A583-0943-4449-92E7-5C701EE89866}" type="slidenum">
               <a:rPr lang="zh-CN" altLang="en-US" smtClean="0"/>
               <a:t>‹#›</a:t>
             </a:fld>
@@ -921,7 +921,7 @@
     </p:spTree>
     <p:extLst>
       <p:ext uri="{BB962C8B-B14F-4D97-AF65-F5344CB8AC3E}">
-        <p14:creationId xmlns:p14="http://schemas.microsoft.com/office/powerpoint/2010/main" val="4231759361"/>
+        <p14:creationId xmlns:p14="http://schemas.microsoft.com/office/powerpoint/2010/main" val="3246969613"/>
       </p:ext>
     </p:extLst>
   </p:cSld>
@@ -953,7 +953,7 @@
           <p:cNvPr id="2" name="标题 1">
             <a:extLst>
               <a:ext uri="{FF2B5EF4-FFF2-40B4-BE49-F238E27FC236}">
-                <a16:creationId xmlns:a16="http://schemas.microsoft.com/office/drawing/2014/main" id="{E2BE69E2-CAAF-B765-E910-5EA01371F0BF}"/>
+                <a16:creationId xmlns:a16="http://schemas.microsoft.com/office/drawing/2014/main" id="{080EC64D-19C0-9044-8DDC-017505FCCBB0}"/>
               </a:ext>
             </a:extLst>
           </p:cNvPr>
@@ -990,7 +990,7 @@
           <p:cNvPr id="3" name="文本占位符 2">
             <a:extLst>
               <a:ext uri="{FF2B5EF4-FFF2-40B4-BE49-F238E27FC236}">
-                <a16:creationId xmlns:a16="http://schemas.microsoft.com/office/drawing/2014/main" id="{F4FE4510-7A19-C2A1-5D99-0B0B233A32F7}"/>
+                <a16:creationId xmlns:a16="http://schemas.microsoft.com/office/drawing/2014/main" id="{A9C57678-ACF9-E42A-DA1D-232452FE74F2}"/>
               </a:ext>
             </a:extLst>
           </p:cNvPr>
@@ -1115,7 +1115,7 @@
           <p:cNvPr id="4" name="日期占位符 3">
             <a:extLst>
               <a:ext uri="{FF2B5EF4-FFF2-40B4-BE49-F238E27FC236}">
-                <a16:creationId xmlns:a16="http://schemas.microsoft.com/office/drawing/2014/main" id="{202B119C-A5E2-63CA-8E86-CB3CD02A4953}"/>
+                <a16:creationId xmlns:a16="http://schemas.microsoft.com/office/drawing/2014/main" id="{B6DD70FD-C6C7-7700-616F-84C9258B47BB}"/>
               </a:ext>
             </a:extLst>
           </p:cNvPr>
@@ -1131,7 +1131,7 @@
           <a:bodyPr/>
           <a:lstStyle/>
           <a:p>
-            <a:fld id="{0B3B3B53-C6F6-415C-8A89-A7054E6B0744}" type="datetimeFigureOut">
+            <a:fld id="{E231541A-56A7-4ED4-A945-E89E3930210B}" type="datetimeFigureOut">
               <a:rPr lang="zh-CN" altLang="en-US" smtClean="0"/>
               <a:t>2024/3/10</a:t>
             </a:fld>
@@ -1144,7 +1144,7 @@
           <p:cNvPr id="5" name="页脚占位符 4">
             <a:extLst>
               <a:ext uri="{FF2B5EF4-FFF2-40B4-BE49-F238E27FC236}">
-                <a16:creationId xmlns:a16="http://schemas.microsoft.com/office/drawing/2014/main" id="{87113D0E-3264-C021-4EE2-C3EC1014B09B}"/>
+                <a16:creationId xmlns:a16="http://schemas.microsoft.com/office/drawing/2014/main" id="{89A85CF3-D415-429B-6E55-659ED4DC78DD}"/>
               </a:ext>
             </a:extLst>
           </p:cNvPr>
@@ -1169,7 +1169,7 @@
           <p:cNvPr id="6" name="灯片编号占位符 5">
             <a:extLst>
               <a:ext uri="{FF2B5EF4-FFF2-40B4-BE49-F238E27FC236}">
-                <a16:creationId xmlns:a16="http://schemas.microsoft.com/office/drawing/2014/main" id="{4EF02D5A-2B0A-B7E9-013D-9079710B8A40}"/>
+                <a16:creationId xmlns:a16="http://schemas.microsoft.com/office/drawing/2014/main" id="{FBDCD5B6-0BA8-BACA-A3DB-85042974C935}"/>
               </a:ext>
             </a:extLst>
           </p:cNvPr>
@@ -1185,7 +1185,7 @@
           <a:bodyPr/>
           <a:lstStyle/>
           <a:p>
-            <a:fld id="{85E56A64-9FB0-481C-B150-87B91F1F7AEC}" type="slidenum">
+            <a:fld id="{4567A583-0943-4449-92E7-5C701EE89866}" type="slidenum">
               <a:rPr lang="zh-CN" altLang="en-US" smtClean="0"/>
               <a:t>‹#›</a:t>
             </a:fld>
@@ -1196,7 +1196,7 @@
     </p:spTree>
     <p:extLst>
       <p:ext uri="{BB962C8B-B14F-4D97-AF65-F5344CB8AC3E}">
-        <p14:creationId xmlns:p14="http://schemas.microsoft.com/office/powerpoint/2010/main" val="3168210734"/>
+        <p14:creationId xmlns:p14="http://schemas.microsoft.com/office/powerpoint/2010/main" val="2474927002"/>
       </p:ext>
     </p:extLst>
   </p:cSld>
@@ -1228,7 +1228,7 @@
           <p:cNvPr id="2" name="标题 1">
             <a:extLst>
               <a:ext uri="{FF2B5EF4-FFF2-40B4-BE49-F238E27FC236}">
-                <a16:creationId xmlns:a16="http://schemas.microsoft.com/office/drawing/2014/main" id="{4CBBFDA9-128B-6D1C-E40A-AB26D1E4F76E}"/>
+                <a16:creationId xmlns:a16="http://schemas.microsoft.com/office/drawing/2014/main" id="{49A73E1E-B579-547A-6B33-51894A318E3F}"/>
               </a:ext>
             </a:extLst>
           </p:cNvPr>
@@ -1256,7 +1256,7 @@
           <p:cNvPr id="3" name="内容占位符 2">
             <a:extLst>
               <a:ext uri="{FF2B5EF4-FFF2-40B4-BE49-F238E27FC236}">
-                <a16:creationId xmlns:a16="http://schemas.microsoft.com/office/drawing/2014/main" id="{343E9E95-1D78-E2E6-7F1A-0787A6729301}"/>
+                <a16:creationId xmlns:a16="http://schemas.microsoft.com/office/drawing/2014/main" id="{9D92C778-4268-D158-C696-69C50DE640C5}"/>
               </a:ext>
             </a:extLst>
           </p:cNvPr>
@@ -1318,7 +1318,7 @@
           <p:cNvPr id="4" name="内容占位符 3">
             <a:extLst>
               <a:ext uri="{FF2B5EF4-FFF2-40B4-BE49-F238E27FC236}">
-                <a16:creationId xmlns:a16="http://schemas.microsoft.com/office/drawing/2014/main" id="{3B02E117-E624-6294-E682-D9DF2FAF3A1D}"/>
+                <a16:creationId xmlns:a16="http://schemas.microsoft.com/office/drawing/2014/main" id="{F2707E17-08DE-B125-E518-D69C3E806C1A}"/>
               </a:ext>
             </a:extLst>
           </p:cNvPr>
@@ -1380,7 +1380,7 @@
           <p:cNvPr id="5" name="日期占位符 4">
             <a:extLst>
               <a:ext uri="{FF2B5EF4-FFF2-40B4-BE49-F238E27FC236}">
-                <a16:creationId xmlns:a16="http://schemas.microsoft.com/office/drawing/2014/main" id="{BCFC95C3-4C5F-FE2E-0885-E54B2F750084}"/>
+                <a16:creationId xmlns:a16="http://schemas.microsoft.com/office/drawing/2014/main" id="{A115084B-C47D-AED8-DDED-C8B8EA0AF3BF}"/>
               </a:ext>
             </a:extLst>
           </p:cNvPr>
@@ -1396,7 +1396,7 @@
           <a:bodyPr/>
           <a:lstStyle/>
           <a:p>
-            <a:fld id="{0B3B3B53-C6F6-415C-8A89-A7054E6B0744}" type="datetimeFigureOut">
+            <a:fld id="{E231541A-56A7-4ED4-A945-E89E3930210B}" type="datetimeFigureOut">
               <a:rPr lang="zh-CN" altLang="en-US" smtClean="0"/>
               <a:t>2024/3/10</a:t>
             </a:fld>
@@ -1409,7 +1409,7 @@
           <p:cNvPr id="6" name="页脚占位符 5">
             <a:extLst>
               <a:ext uri="{FF2B5EF4-FFF2-40B4-BE49-F238E27FC236}">
-                <a16:creationId xmlns:a16="http://schemas.microsoft.com/office/drawing/2014/main" id="{C5D27B72-D62E-1F9A-4519-0A7CE9633653}"/>
+                <a16:creationId xmlns:a16="http://schemas.microsoft.com/office/drawing/2014/main" id="{8EC58BD5-1C17-0623-2602-5F7C70BF2525}"/>
               </a:ext>
             </a:extLst>
           </p:cNvPr>
@@ -1434,7 +1434,7 @@
           <p:cNvPr id="7" name="灯片编号占位符 6">
             <a:extLst>
               <a:ext uri="{FF2B5EF4-FFF2-40B4-BE49-F238E27FC236}">
-                <a16:creationId xmlns:a16="http://schemas.microsoft.com/office/drawing/2014/main" id="{FEDCF1EC-2AFC-9B4B-5FD0-D0F0F2337132}"/>
+                <a16:creationId xmlns:a16="http://schemas.microsoft.com/office/drawing/2014/main" id="{4306BB09-C5A8-735D-E50B-F074902B7B9F}"/>
               </a:ext>
             </a:extLst>
           </p:cNvPr>
@@ -1450,7 +1450,7 @@
           <a:bodyPr/>
           <a:lstStyle/>
           <a:p>
-            <a:fld id="{85E56A64-9FB0-481C-B150-87B91F1F7AEC}" type="slidenum">
+            <a:fld id="{4567A583-0943-4449-92E7-5C701EE89866}" type="slidenum">
               <a:rPr lang="zh-CN" altLang="en-US" smtClean="0"/>
               <a:t>‹#›</a:t>
             </a:fld>
@@ -1461,7 +1461,7 @@
     </p:spTree>
     <p:extLst>
       <p:ext uri="{BB962C8B-B14F-4D97-AF65-F5344CB8AC3E}">
-        <p14:creationId xmlns:p14="http://schemas.microsoft.com/office/powerpoint/2010/main" val="4051530074"/>
+        <p14:creationId xmlns:p14="http://schemas.microsoft.com/office/powerpoint/2010/main" val="1740067695"/>
       </p:ext>
     </p:extLst>
   </p:cSld>
@@ -1493,7 +1493,7 @@
           <p:cNvPr id="2" name="标题 1">
             <a:extLst>
               <a:ext uri="{FF2B5EF4-FFF2-40B4-BE49-F238E27FC236}">
-                <a16:creationId xmlns:a16="http://schemas.microsoft.com/office/drawing/2014/main" id="{4255FB21-637F-50AA-6CB3-7062AEA0D149}"/>
+                <a16:creationId xmlns:a16="http://schemas.microsoft.com/office/drawing/2014/main" id="{9D759350-49B3-23B1-6969-096079D21561}"/>
               </a:ext>
             </a:extLst>
           </p:cNvPr>
@@ -1526,7 +1526,7 @@
           <p:cNvPr id="3" name="文本占位符 2">
             <a:extLst>
               <a:ext uri="{FF2B5EF4-FFF2-40B4-BE49-F238E27FC236}">
-                <a16:creationId xmlns:a16="http://schemas.microsoft.com/office/drawing/2014/main" id="{949CDA2D-2650-B865-E460-11AD94C9ABAC}"/>
+                <a16:creationId xmlns:a16="http://schemas.microsoft.com/office/drawing/2014/main" id="{AAEA964C-DAB8-1FCA-058B-FC53BEA90EFA}"/>
               </a:ext>
             </a:extLst>
           </p:cNvPr>
@@ -1597,7 +1597,7 @@
           <p:cNvPr id="4" name="内容占位符 3">
             <a:extLst>
               <a:ext uri="{FF2B5EF4-FFF2-40B4-BE49-F238E27FC236}">
-                <a16:creationId xmlns:a16="http://schemas.microsoft.com/office/drawing/2014/main" id="{A4398DA6-B22A-71C3-5E8C-F635548CE0FB}"/>
+                <a16:creationId xmlns:a16="http://schemas.microsoft.com/office/drawing/2014/main" id="{2BC1D0F8-8193-3416-D166-4302204D4786}"/>
               </a:ext>
             </a:extLst>
           </p:cNvPr>
@@ -1659,7 +1659,7 @@
           <p:cNvPr id="5" name="文本占位符 4">
             <a:extLst>
               <a:ext uri="{FF2B5EF4-FFF2-40B4-BE49-F238E27FC236}">
-                <a16:creationId xmlns:a16="http://schemas.microsoft.com/office/drawing/2014/main" id="{80AC3D0E-CF56-3A55-6514-B19F1F8DAC22}"/>
+                <a16:creationId xmlns:a16="http://schemas.microsoft.com/office/drawing/2014/main" id="{16995995-A873-10E8-50EF-D1AA8A9EEEE9}"/>
               </a:ext>
             </a:extLst>
           </p:cNvPr>
@@ -1730,7 +1730,7 @@
           <p:cNvPr id="6" name="内容占位符 5">
             <a:extLst>
               <a:ext uri="{FF2B5EF4-FFF2-40B4-BE49-F238E27FC236}">
-                <a16:creationId xmlns:a16="http://schemas.microsoft.com/office/drawing/2014/main" id="{BB347F42-E947-CE35-4838-48EAE886CB53}"/>
+                <a16:creationId xmlns:a16="http://schemas.microsoft.com/office/drawing/2014/main" id="{69727D3D-A4BD-900A-D9F5-0066877DD138}"/>
               </a:ext>
             </a:extLst>
           </p:cNvPr>
@@ -1792,7 +1792,7 @@
           <p:cNvPr id="7" name="日期占位符 6">
             <a:extLst>
               <a:ext uri="{FF2B5EF4-FFF2-40B4-BE49-F238E27FC236}">
-                <a16:creationId xmlns:a16="http://schemas.microsoft.com/office/drawing/2014/main" id="{A42E06D8-D095-D70C-AF36-E288C1A1DD81}"/>
+                <a16:creationId xmlns:a16="http://schemas.microsoft.com/office/drawing/2014/main" id="{67750684-D151-A520-E5D0-B3788231A741}"/>
               </a:ext>
             </a:extLst>
           </p:cNvPr>
@@ -1808,7 +1808,7 @@
           <a:bodyPr/>
           <a:lstStyle/>
           <a:p>
-            <a:fld id="{0B3B3B53-C6F6-415C-8A89-A7054E6B0744}" type="datetimeFigureOut">
+            <a:fld id="{E231541A-56A7-4ED4-A945-E89E3930210B}" type="datetimeFigureOut">
               <a:rPr lang="zh-CN" altLang="en-US" smtClean="0"/>
               <a:t>2024/3/10</a:t>
             </a:fld>
@@ -1821,7 +1821,7 @@
           <p:cNvPr id="8" name="页脚占位符 7">
             <a:extLst>
               <a:ext uri="{FF2B5EF4-FFF2-40B4-BE49-F238E27FC236}">
-                <a16:creationId xmlns:a16="http://schemas.microsoft.com/office/drawing/2014/main" id="{669401D6-D963-4DA9-F726-9D671453017C}"/>
+                <a16:creationId xmlns:a16="http://schemas.microsoft.com/office/drawing/2014/main" id="{090AEE19-C13B-72F7-3202-EEDF774FA944}"/>
               </a:ext>
             </a:extLst>
           </p:cNvPr>
@@ -1846,7 +1846,7 @@
           <p:cNvPr id="9" name="灯片编号占位符 8">
             <a:extLst>
               <a:ext uri="{FF2B5EF4-FFF2-40B4-BE49-F238E27FC236}">
-                <a16:creationId xmlns:a16="http://schemas.microsoft.com/office/drawing/2014/main" id="{2A6A3286-9F28-F18C-DBA6-F055C7575CED}"/>
+                <a16:creationId xmlns:a16="http://schemas.microsoft.com/office/drawing/2014/main" id="{3E94FC73-64C6-FBB6-C814-723A27484097}"/>
               </a:ext>
             </a:extLst>
           </p:cNvPr>
@@ -1862,7 +1862,7 @@
           <a:bodyPr/>
           <a:lstStyle/>
           <a:p>
-            <a:fld id="{85E56A64-9FB0-481C-B150-87B91F1F7AEC}" type="slidenum">
+            <a:fld id="{4567A583-0943-4449-92E7-5C701EE89866}" type="slidenum">
               <a:rPr lang="zh-CN" altLang="en-US" smtClean="0"/>
               <a:t>‹#›</a:t>
             </a:fld>
@@ -1873,7 +1873,7 @@
     </p:spTree>
     <p:extLst>
       <p:ext uri="{BB962C8B-B14F-4D97-AF65-F5344CB8AC3E}">
-        <p14:creationId xmlns:p14="http://schemas.microsoft.com/office/powerpoint/2010/main" val="4151290561"/>
+        <p14:creationId xmlns:p14="http://schemas.microsoft.com/office/powerpoint/2010/main" val="3495447730"/>
       </p:ext>
     </p:extLst>
   </p:cSld>
@@ -1905,7 +1905,7 @@
           <p:cNvPr id="2" name="标题 1">
             <a:extLst>
               <a:ext uri="{FF2B5EF4-FFF2-40B4-BE49-F238E27FC236}">
-                <a16:creationId xmlns:a16="http://schemas.microsoft.com/office/drawing/2014/main" id="{44F7097B-7531-F71D-4684-9B921A332E9B}"/>
+                <a16:creationId xmlns:a16="http://schemas.microsoft.com/office/drawing/2014/main" id="{8F4FDA04-8615-1573-6C6B-C572A6BC3F32}"/>
               </a:ext>
             </a:extLst>
           </p:cNvPr>
@@ -1933,7 +1933,7 @@
           <p:cNvPr id="3" name="日期占位符 2">
             <a:extLst>
               <a:ext uri="{FF2B5EF4-FFF2-40B4-BE49-F238E27FC236}">
-                <a16:creationId xmlns:a16="http://schemas.microsoft.com/office/drawing/2014/main" id="{D06AF5E5-74B1-2B80-468D-3EFA2A8CC0EA}"/>
+                <a16:creationId xmlns:a16="http://schemas.microsoft.com/office/drawing/2014/main" id="{C86D3C3F-19D5-87CB-37DC-D45D69E6A1D6}"/>
               </a:ext>
             </a:extLst>
           </p:cNvPr>
@@ -1949,7 +1949,7 @@
           <a:bodyPr/>
           <a:lstStyle/>
           <a:p>
-            <a:fld id="{0B3B3B53-C6F6-415C-8A89-A7054E6B0744}" type="datetimeFigureOut">
+            <a:fld id="{E231541A-56A7-4ED4-A945-E89E3930210B}" type="datetimeFigureOut">
               <a:rPr lang="zh-CN" altLang="en-US" smtClean="0"/>
               <a:t>2024/3/10</a:t>
             </a:fld>
@@ -1962,7 +1962,7 @@
           <p:cNvPr id="4" name="页脚占位符 3">
             <a:extLst>
               <a:ext uri="{FF2B5EF4-FFF2-40B4-BE49-F238E27FC236}">
-                <a16:creationId xmlns:a16="http://schemas.microsoft.com/office/drawing/2014/main" id="{02EFA44F-A638-26E8-9335-4124C0820C8C}"/>
+                <a16:creationId xmlns:a16="http://schemas.microsoft.com/office/drawing/2014/main" id="{E34FD18B-2D1C-C016-D7EE-DEEAFB138BD9}"/>
               </a:ext>
             </a:extLst>
           </p:cNvPr>
@@ -1987,7 +1987,7 @@
           <p:cNvPr id="5" name="灯片编号占位符 4">
             <a:extLst>
               <a:ext uri="{FF2B5EF4-FFF2-40B4-BE49-F238E27FC236}">
-                <a16:creationId xmlns:a16="http://schemas.microsoft.com/office/drawing/2014/main" id="{8FF3D239-8A36-D847-F21E-DDFD96D54C26}"/>
+                <a16:creationId xmlns:a16="http://schemas.microsoft.com/office/drawing/2014/main" id="{0EA9569B-6A02-B1CF-4A2F-78222E2EB6D4}"/>
               </a:ext>
             </a:extLst>
           </p:cNvPr>
@@ -2003,7 +2003,7 @@
           <a:bodyPr/>
           <a:lstStyle/>
           <a:p>
-            <a:fld id="{85E56A64-9FB0-481C-B150-87B91F1F7AEC}" type="slidenum">
+            <a:fld id="{4567A583-0943-4449-92E7-5C701EE89866}" type="slidenum">
               <a:rPr lang="zh-CN" altLang="en-US" smtClean="0"/>
               <a:t>‹#›</a:t>
             </a:fld>
@@ -2014,7 +2014,7 @@
     </p:spTree>
     <p:extLst>
       <p:ext uri="{BB962C8B-B14F-4D97-AF65-F5344CB8AC3E}">
-        <p14:creationId xmlns:p14="http://schemas.microsoft.com/office/powerpoint/2010/main" val="1582690099"/>
+        <p14:creationId xmlns:p14="http://schemas.microsoft.com/office/powerpoint/2010/main" val="3503318153"/>
       </p:ext>
     </p:extLst>
   </p:cSld>
@@ -2046,7 +2046,7 @@
           <p:cNvPr id="2" name="日期占位符 1">
             <a:extLst>
               <a:ext uri="{FF2B5EF4-FFF2-40B4-BE49-F238E27FC236}">
-                <a16:creationId xmlns:a16="http://schemas.microsoft.com/office/drawing/2014/main" id="{7CA5F2E0-85F5-4A81-D7B1-21A937D97C80}"/>
+                <a16:creationId xmlns:a16="http://schemas.microsoft.com/office/drawing/2014/main" id="{07FBE4C8-3DE4-4663-10FE-5444EB9926F2}"/>
               </a:ext>
             </a:extLst>
           </p:cNvPr>
@@ -2062,7 +2062,7 @@
           <a:bodyPr/>
           <a:lstStyle/>
           <a:p>
-            <a:fld id="{0B3B3B53-C6F6-415C-8A89-A7054E6B0744}" type="datetimeFigureOut">
+            <a:fld id="{E231541A-56A7-4ED4-A945-E89E3930210B}" type="datetimeFigureOut">
               <a:rPr lang="zh-CN" altLang="en-US" smtClean="0"/>
               <a:t>2024/3/10</a:t>
             </a:fld>
@@ -2075,7 +2075,7 @@
           <p:cNvPr id="3" name="页脚占位符 2">
             <a:extLst>
               <a:ext uri="{FF2B5EF4-FFF2-40B4-BE49-F238E27FC236}">
-                <a16:creationId xmlns:a16="http://schemas.microsoft.com/office/drawing/2014/main" id="{B5385356-84D6-8B4A-A961-F458BC8AB147}"/>
+                <a16:creationId xmlns:a16="http://schemas.microsoft.com/office/drawing/2014/main" id="{DD8A0DAD-65DE-DC3F-380C-5AD031546276}"/>
               </a:ext>
             </a:extLst>
           </p:cNvPr>
@@ -2100,7 +2100,7 @@
           <p:cNvPr id="4" name="灯片编号占位符 3">
             <a:extLst>
               <a:ext uri="{FF2B5EF4-FFF2-40B4-BE49-F238E27FC236}">
-                <a16:creationId xmlns:a16="http://schemas.microsoft.com/office/drawing/2014/main" id="{A44DCB43-6ED7-4750-C7CC-B77ED569ED80}"/>
+                <a16:creationId xmlns:a16="http://schemas.microsoft.com/office/drawing/2014/main" id="{BFC75A69-5992-1BFD-9874-A83581FA6EDF}"/>
               </a:ext>
             </a:extLst>
           </p:cNvPr>
@@ -2116,7 +2116,7 @@
           <a:bodyPr/>
           <a:lstStyle/>
           <a:p>
-            <a:fld id="{85E56A64-9FB0-481C-B150-87B91F1F7AEC}" type="slidenum">
+            <a:fld id="{4567A583-0943-4449-92E7-5C701EE89866}" type="slidenum">
               <a:rPr lang="zh-CN" altLang="en-US" smtClean="0"/>
               <a:t>‹#›</a:t>
             </a:fld>
@@ -2127,7 +2127,7 @@
     </p:spTree>
     <p:extLst>
       <p:ext uri="{BB962C8B-B14F-4D97-AF65-F5344CB8AC3E}">
-        <p14:creationId xmlns:p14="http://schemas.microsoft.com/office/powerpoint/2010/main" val="2686207824"/>
+        <p14:creationId xmlns:p14="http://schemas.microsoft.com/office/powerpoint/2010/main" val="3825373074"/>
       </p:ext>
     </p:extLst>
   </p:cSld>
@@ -2159,7 +2159,7 @@
           <p:cNvPr id="2" name="标题 1">
             <a:extLst>
               <a:ext uri="{FF2B5EF4-FFF2-40B4-BE49-F238E27FC236}">
-                <a16:creationId xmlns:a16="http://schemas.microsoft.com/office/drawing/2014/main" id="{C1E75CBC-CCCD-344B-6F08-A2349A0495C9}"/>
+                <a16:creationId xmlns:a16="http://schemas.microsoft.com/office/drawing/2014/main" id="{B764380A-BF22-BC59-A9DD-328D20CCAB24}"/>
               </a:ext>
             </a:extLst>
           </p:cNvPr>
@@ -2196,7 +2196,7 @@
           <p:cNvPr id="3" name="内容占位符 2">
             <a:extLst>
               <a:ext uri="{FF2B5EF4-FFF2-40B4-BE49-F238E27FC236}">
-                <a16:creationId xmlns:a16="http://schemas.microsoft.com/office/drawing/2014/main" id="{DB0EDA68-A52E-5E71-2ECD-D22C7755A2F1}"/>
+                <a16:creationId xmlns:a16="http://schemas.microsoft.com/office/drawing/2014/main" id="{94038D20-75D3-F2CD-90B5-34EDE155630A}"/>
               </a:ext>
             </a:extLst>
           </p:cNvPr>
@@ -2286,7 +2286,7 @@
           <p:cNvPr id="4" name="文本占位符 3">
             <a:extLst>
               <a:ext uri="{FF2B5EF4-FFF2-40B4-BE49-F238E27FC236}">
-                <a16:creationId xmlns:a16="http://schemas.microsoft.com/office/drawing/2014/main" id="{E4B0742C-2D09-E333-EEC6-210522864413}"/>
+                <a16:creationId xmlns:a16="http://schemas.microsoft.com/office/drawing/2014/main" id="{65BF15D0-79FF-3CE4-EA25-541A0F4C2F31}"/>
               </a:ext>
             </a:extLst>
           </p:cNvPr>
@@ -2357,7 +2357,7 @@
           <p:cNvPr id="5" name="日期占位符 4">
             <a:extLst>
               <a:ext uri="{FF2B5EF4-FFF2-40B4-BE49-F238E27FC236}">
-                <a16:creationId xmlns:a16="http://schemas.microsoft.com/office/drawing/2014/main" id="{B710C06D-2655-179C-2F6B-30AE8BEBB732}"/>
+                <a16:creationId xmlns:a16="http://schemas.microsoft.com/office/drawing/2014/main" id="{293B1453-681E-B799-E94D-432F60FAE167}"/>
               </a:ext>
             </a:extLst>
           </p:cNvPr>
@@ -2373,7 +2373,7 @@
           <a:bodyPr/>
           <a:lstStyle/>
           <a:p>
-            <a:fld id="{0B3B3B53-C6F6-415C-8A89-A7054E6B0744}" type="datetimeFigureOut">
+            <a:fld id="{E231541A-56A7-4ED4-A945-E89E3930210B}" type="datetimeFigureOut">
               <a:rPr lang="zh-CN" altLang="en-US" smtClean="0"/>
               <a:t>2024/3/10</a:t>
             </a:fld>
@@ -2386,7 +2386,7 @@
           <p:cNvPr id="6" name="页脚占位符 5">
             <a:extLst>
               <a:ext uri="{FF2B5EF4-FFF2-40B4-BE49-F238E27FC236}">
-                <a16:creationId xmlns:a16="http://schemas.microsoft.com/office/drawing/2014/main" id="{CAEF82EC-0A00-78DE-10E8-D7ADDA9A0347}"/>
+                <a16:creationId xmlns:a16="http://schemas.microsoft.com/office/drawing/2014/main" id="{AD179BB4-364E-D763-F2A8-536E3FC7AFF8}"/>
               </a:ext>
             </a:extLst>
           </p:cNvPr>
@@ -2411,7 +2411,7 @@
           <p:cNvPr id="7" name="灯片编号占位符 6">
             <a:extLst>
               <a:ext uri="{FF2B5EF4-FFF2-40B4-BE49-F238E27FC236}">
-                <a16:creationId xmlns:a16="http://schemas.microsoft.com/office/drawing/2014/main" id="{694C94CE-9C97-DA14-EA97-FD9B0A8B6B0F}"/>
+                <a16:creationId xmlns:a16="http://schemas.microsoft.com/office/drawing/2014/main" id="{7FF0B67D-6CB3-A394-5F06-42D16C626421}"/>
               </a:ext>
             </a:extLst>
           </p:cNvPr>
@@ -2427,7 +2427,7 @@
           <a:bodyPr/>
           <a:lstStyle/>
           <a:p>
-            <a:fld id="{85E56A64-9FB0-481C-B150-87B91F1F7AEC}" type="slidenum">
+            <a:fld id="{4567A583-0943-4449-92E7-5C701EE89866}" type="slidenum">
               <a:rPr lang="zh-CN" altLang="en-US" smtClean="0"/>
               <a:t>‹#›</a:t>
             </a:fld>
@@ -2438,7 +2438,7 @@
     </p:spTree>
     <p:extLst>
       <p:ext uri="{BB962C8B-B14F-4D97-AF65-F5344CB8AC3E}">
-        <p14:creationId xmlns:p14="http://schemas.microsoft.com/office/powerpoint/2010/main" val="2589461721"/>
+        <p14:creationId xmlns:p14="http://schemas.microsoft.com/office/powerpoint/2010/main" val="2453985969"/>
       </p:ext>
     </p:extLst>
   </p:cSld>
@@ -2470,7 +2470,7 @@
           <p:cNvPr id="2" name="标题 1">
             <a:extLst>
               <a:ext uri="{FF2B5EF4-FFF2-40B4-BE49-F238E27FC236}">
-                <a16:creationId xmlns:a16="http://schemas.microsoft.com/office/drawing/2014/main" id="{8FD7A93C-0B0E-7AC8-E249-421516A0BCB1}"/>
+                <a16:creationId xmlns:a16="http://schemas.microsoft.com/office/drawing/2014/main" id="{3CE3A841-3F0A-8FC0-8819-4A3DFD8E60E3}"/>
               </a:ext>
             </a:extLst>
           </p:cNvPr>
@@ -2507,7 +2507,7 @@
           <p:cNvPr id="3" name="图片占位符 2">
             <a:extLst>
               <a:ext uri="{FF2B5EF4-FFF2-40B4-BE49-F238E27FC236}">
-                <a16:creationId xmlns:a16="http://schemas.microsoft.com/office/drawing/2014/main" id="{EBDD0E7B-2740-2E0B-F890-8BEA21BD1A05}"/>
+                <a16:creationId xmlns:a16="http://schemas.microsoft.com/office/drawing/2014/main" id="{A30B8F2F-A1BD-306E-B16B-649522F10814}"/>
               </a:ext>
             </a:extLst>
           </p:cNvPr>
@@ -2574,7 +2574,7 @@
           <p:cNvPr id="4" name="文本占位符 3">
             <a:extLst>
               <a:ext uri="{FF2B5EF4-FFF2-40B4-BE49-F238E27FC236}">
-                <a16:creationId xmlns:a16="http://schemas.microsoft.com/office/drawing/2014/main" id="{35F0C438-901C-1AF1-D311-5635F5537617}"/>
+                <a16:creationId xmlns:a16="http://schemas.microsoft.com/office/drawing/2014/main" id="{9810F081-2CD3-0589-C21B-43B2F1B8B338}"/>
               </a:ext>
             </a:extLst>
           </p:cNvPr>
@@ -2645,7 +2645,7 @@
           <p:cNvPr id="5" name="日期占位符 4">
             <a:extLst>
               <a:ext uri="{FF2B5EF4-FFF2-40B4-BE49-F238E27FC236}">
-                <a16:creationId xmlns:a16="http://schemas.microsoft.com/office/drawing/2014/main" id="{FCA0ED8F-4382-00A3-3AD6-14C92450ECF2}"/>
+                <a16:creationId xmlns:a16="http://schemas.microsoft.com/office/drawing/2014/main" id="{5E1DABB3-9E92-F6EF-5141-082B0E37A865}"/>
               </a:ext>
             </a:extLst>
           </p:cNvPr>
@@ -2661,7 +2661,7 @@
           <a:bodyPr/>
           <a:lstStyle/>
           <a:p>
-            <a:fld id="{0B3B3B53-C6F6-415C-8A89-A7054E6B0744}" type="datetimeFigureOut">
+            <a:fld id="{E231541A-56A7-4ED4-A945-E89E3930210B}" type="datetimeFigureOut">
               <a:rPr lang="zh-CN" altLang="en-US" smtClean="0"/>
               <a:t>2024/3/10</a:t>
             </a:fld>
@@ -2674,7 +2674,7 @@
           <p:cNvPr id="6" name="页脚占位符 5">
             <a:extLst>
               <a:ext uri="{FF2B5EF4-FFF2-40B4-BE49-F238E27FC236}">
-                <a16:creationId xmlns:a16="http://schemas.microsoft.com/office/drawing/2014/main" id="{C45725F1-2E08-E106-E0C4-47156294FEC9}"/>
+                <a16:creationId xmlns:a16="http://schemas.microsoft.com/office/drawing/2014/main" id="{3A9CD330-F1CB-B32F-B81E-C1FFFEC575AE}"/>
               </a:ext>
             </a:extLst>
           </p:cNvPr>
@@ -2699,7 +2699,7 @@
           <p:cNvPr id="7" name="灯片编号占位符 6">
             <a:extLst>
               <a:ext uri="{FF2B5EF4-FFF2-40B4-BE49-F238E27FC236}">
-                <a16:creationId xmlns:a16="http://schemas.microsoft.com/office/drawing/2014/main" id="{E68BECAA-0371-D04A-C1A7-F8780A51AD69}"/>
+                <a16:creationId xmlns:a16="http://schemas.microsoft.com/office/drawing/2014/main" id="{A5CC15B0-8727-5E1C-C218-51A316B2E6A3}"/>
               </a:ext>
             </a:extLst>
           </p:cNvPr>
@@ -2715,7 +2715,7 @@
           <a:bodyPr/>
           <a:lstStyle/>
           <a:p>
-            <a:fld id="{85E56A64-9FB0-481C-B150-87B91F1F7AEC}" type="slidenum">
+            <a:fld id="{4567A583-0943-4449-92E7-5C701EE89866}" type="slidenum">
               <a:rPr lang="zh-CN" altLang="en-US" smtClean="0"/>
               <a:t>‹#›</a:t>
             </a:fld>
@@ -2726,7 +2726,7 @@
     </p:spTree>
     <p:extLst>
       <p:ext uri="{BB962C8B-B14F-4D97-AF65-F5344CB8AC3E}">
-        <p14:creationId xmlns:p14="http://schemas.microsoft.com/office/powerpoint/2010/main" val="1165112321"/>
+        <p14:creationId xmlns:p14="http://schemas.microsoft.com/office/powerpoint/2010/main" val="1387131001"/>
       </p:ext>
     </p:extLst>
   </p:cSld>
@@ -2763,7 +2763,7 @@
           <p:cNvPr id="2" name="标题占位符 1">
             <a:extLst>
               <a:ext uri="{FF2B5EF4-FFF2-40B4-BE49-F238E27FC236}">
-                <a16:creationId xmlns:a16="http://schemas.microsoft.com/office/drawing/2014/main" id="{614A38BE-666F-E4F8-0DB5-9CF357EAF022}"/>
+                <a16:creationId xmlns:a16="http://schemas.microsoft.com/office/drawing/2014/main" id="{DDB172C3-1A64-3103-4DD6-016F595237CA}"/>
               </a:ext>
             </a:extLst>
           </p:cNvPr>
@@ -2801,7 +2801,7 @@
           <p:cNvPr id="3" name="文本占位符 2">
             <a:extLst>
               <a:ext uri="{FF2B5EF4-FFF2-40B4-BE49-F238E27FC236}">
-                <a16:creationId xmlns:a16="http://schemas.microsoft.com/office/drawing/2014/main" id="{6EAD16D0-97A1-C547-A3D9-2D4826BA1768}"/>
+                <a16:creationId xmlns:a16="http://schemas.microsoft.com/office/drawing/2014/main" id="{B4EFC104-548D-952C-80B3-FCFC9D11AABD}"/>
               </a:ext>
             </a:extLst>
           </p:cNvPr>
@@ -2868,7 +2868,7 @@
           <p:cNvPr id="4" name="日期占位符 3">
             <a:extLst>
               <a:ext uri="{FF2B5EF4-FFF2-40B4-BE49-F238E27FC236}">
-                <a16:creationId xmlns:a16="http://schemas.microsoft.com/office/drawing/2014/main" id="{6733CB55-E6A8-8F41-A03A-F73CDCCAADC0}"/>
+                <a16:creationId xmlns:a16="http://schemas.microsoft.com/office/drawing/2014/main" id="{F9D7A8BE-9FC3-CB03-2844-7D1EA8DD37DF}"/>
               </a:ext>
             </a:extLst>
           </p:cNvPr>
@@ -2902,7 +2902,7 @@
             </a:lvl1pPr>
           </a:lstStyle>
           <a:p>
-            <a:fld id="{0B3B3B53-C6F6-415C-8A89-A7054E6B0744}" type="datetimeFigureOut">
+            <a:fld id="{E231541A-56A7-4ED4-A945-E89E3930210B}" type="datetimeFigureOut">
               <a:rPr lang="zh-CN" altLang="en-US" smtClean="0"/>
               <a:t>2024/3/10</a:t>
             </a:fld>
@@ -2915,7 +2915,7 @@
           <p:cNvPr id="5" name="页脚占位符 4">
             <a:extLst>
               <a:ext uri="{FF2B5EF4-FFF2-40B4-BE49-F238E27FC236}">
-                <a16:creationId xmlns:a16="http://schemas.microsoft.com/office/drawing/2014/main" id="{80CFA454-D5BD-FBB9-1C32-04987554D219}"/>
+                <a16:creationId xmlns:a16="http://schemas.microsoft.com/office/drawing/2014/main" id="{50D44A8A-341C-2255-96BB-F63202E1F342}"/>
               </a:ext>
             </a:extLst>
           </p:cNvPr>
@@ -2958,7 +2958,7 @@
           <p:cNvPr id="6" name="灯片编号占位符 5">
             <a:extLst>
               <a:ext uri="{FF2B5EF4-FFF2-40B4-BE49-F238E27FC236}">
-                <a16:creationId xmlns:a16="http://schemas.microsoft.com/office/drawing/2014/main" id="{A9E96B3E-E285-6714-01CF-43F93B021047}"/>
+                <a16:creationId xmlns:a16="http://schemas.microsoft.com/office/drawing/2014/main" id="{253C5E16-A27E-0049-FC50-59DBA700D79B}"/>
               </a:ext>
             </a:extLst>
           </p:cNvPr>
@@ -2992,7 +2992,7 @@
             </a:lvl1pPr>
           </a:lstStyle>
           <a:p>
-            <a:fld id="{85E56A64-9FB0-481C-B150-87B91F1F7AEC}" type="slidenum">
+            <a:fld id="{4567A583-0943-4449-92E7-5C701EE89866}" type="slidenum">
               <a:rPr lang="zh-CN" altLang="en-US" smtClean="0"/>
               <a:t>‹#›</a:t>
             </a:fld>
@@ -3003,7 +3003,7 @@
     </p:spTree>
     <p:extLst>
       <p:ext uri="{BB962C8B-B14F-4D97-AF65-F5344CB8AC3E}">
-        <p14:creationId xmlns:p14="http://schemas.microsoft.com/office/powerpoint/2010/main" val="4030181973"/>
+        <p14:creationId xmlns:p14="http://schemas.microsoft.com/office/powerpoint/2010/main" val="2746779451"/>
       </p:ext>
     </p:extLst>
   </p:cSld>
@@ -3323,7 +3323,7 @@
       </p:grpSpPr>
       <p:pic>
         <p:nvPicPr>
-          <p:cNvPr id="200706" name="Picture 2" descr="195"/>
+          <p:cNvPr id="201730" name="Picture 2" descr="196"/>
           <p:cNvPicPr>
             <a:picLocks noChangeAspect="1" noChangeArrowheads="1"/>
           </p:cNvPicPr>
@@ -3345,7 +3345,7 @@
         <p:spPr bwMode="auto">
           <a:xfrm>
             <a:off x="1524000" y="0"/>
-            <a:ext cx="9144000" cy="6859588"/>
+            <a:ext cx="9144000" cy="6858000"/>
           </a:xfrm>
           <a:prstGeom prst="rect">
             <a:avLst/>
@@ -3377,7 +3377,7 @@
       </p:pic>
       <p:pic>
         <p:nvPicPr>
-          <p:cNvPr id="201731" name="Picture 3" descr="195-2"/>
+          <p:cNvPr id="202755" name="Picture 3" descr="196-2"/>
           <p:cNvPicPr>
             <a:picLocks noChangeAspect="1" noChangeArrowheads="1"/>
           </p:cNvPicPr>
@@ -3398,7 +3398,7 @@
         </p:blipFill>
         <p:spPr bwMode="auto">
           <a:xfrm>
-            <a:off x="1524000" y="0"/>
+            <a:off x="1560513" y="0"/>
             <a:ext cx="9144000" cy="6858000"/>
           </a:xfrm>
           <a:prstGeom prst="rect">
@@ -3441,7 +3441,7 @@
       </p:pic>
       <p:pic>
         <p:nvPicPr>
-          <p:cNvPr id="201732" name="Picture 4" descr="195-3"/>
+          <p:cNvPr id="202756" name="Picture 4" descr="196-3"/>
           <p:cNvPicPr>
             <a:picLocks noChangeAspect="1" noChangeArrowheads="1"/>
           </p:cNvPicPr>
@@ -3542,7 +3542,7 @@
                                           </p:stCondLst>
                                         </p:cTn>
                                         <p:tgtEl>
-                                          <p:spTgt spid="201731"/>
+                                          <p:spTgt spid="202755"/>
                                         </p:tgtEl>
                                         <p:attrNameLst>
                                           <p:attrName>style.visibility</p:attrName>
@@ -3556,7 +3556,7 @@
                                       <p:cBhvr>
                                         <p:cTn id="7" dur="500"/>
                                         <p:tgtEl>
-                                          <p:spTgt spid="201731"/>
+                                          <p:spTgt spid="202755"/>
                                         </p:tgtEl>
                                       </p:cBhvr>
                                     </p:animEffect>
@@ -3595,7 +3595,7 @@
                                           </p:stCondLst>
                                         </p:cTn>
                                         <p:tgtEl>
-                                          <p:spTgt spid="201732"/>
+                                          <p:spTgt spid="202756"/>
                                         </p:tgtEl>
                                         <p:attrNameLst>
                                           <p:attrName>style.visibility</p:attrName>
@@ -3609,7 +3609,7 @@
                                       <p:cBhvr>
                                         <p:cTn id="12" dur="500"/>
                                         <p:tgtEl>
-                                          <p:spTgt spid="201732"/>
+                                          <p:spTgt spid="202756"/>
                                         </p:tgtEl>
                                       </p:cBhvr>
                                     </p:animEffect>
